--- a/SEIRschematic.pptx
+++ b/SEIRschematic.pptx
@@ -243,7 +243,7 @@
           <a:p>
             <a:fld id="{D4D183C0-BBDA-4507-B460-BE0BF3E0A830}" type="datetimeFigureOut">
               <a:rPr lang="en-US" smtClean="0"/>
-              <a:t>10/28/2024</a:t>
+              <a:t>12/11/2024</a:t>
             </a:fld>
             <a:endParaRPr lang="en-US"/>
           </a:p>
@@ -413,7 +413,7 @@
           <a:p>
             <a:fld id="{D4D183C0-BBDA-4507-B460-BE0BF3E0A830}" type="datetimeFigureOut">
               <a:rPr lang="en-US" smtClean="0"/>
-              <a:t>10/28/2024</a:t>
+              <a:t>12/11/2024</a:t>
             </a:fld>
             <a:endParaRPr lang="en-US"/>
           </a:p>
@@ -593,7 +593,7 @@
           <a:p>
             <a:fld id="{D4D183C0-BBDA-4507-B460-BE0BF3E0A830}" type="datetimeFigureOut">
               <a:rPr lang="en-US" smtClean="0"/>
-              <a:t>10/28/2024</a:t>
+              <a:t>12/11/2024</a:t>
             </a:fld>
             <a:endParaRPr lang="en-US"/>
           </a:p>
@@ -763,7 +763,7 @@
           <a:p>
             <a:fld id="{D4D183C0-BBDA-4507-B460-BE0BF3E0A830}" type="datetimeFigureOut">
               <a:rPr lang="en-US" smtClean="0"/>
-              <a:t>10/28/2024</a:t>
+              <a:t>12/11/2024</a:t>
             </a:fld>
             <a:endParaRPr lang="en-US"/>
           </a:p>
@@ -1009,7 +1009,7 @@
           <a:p>
             <a:fld id="{D4D183C0-BBDA-4507-B460-BE0BF3E0A830}" type="datetimeFigureOut">
               <a:rPr lang="en-US" smtClean="0"/>
-              <a:t>10/28/2024</a:t>
+              <a:t>12/11/2024</a:t>
             </a:fld>
             <a:endParaRPr lang="en-US"/>
           </a:p>
@@ -1241,7 +1241,7 @@
           <a:p>
             <a:fld id="{D4D183C0-BBDA-4507-B460-BE0BF3E0A830}" type="datetimeFigureOut">
               <a:rPr lang="en-US" smtClean="0"/>
-              <a:t>10/28/2024</a:t>
+              <a:t>12/11/2024</a:t>
             </a:fld>
             <a:endParaRPr lang="en-US"/>
           </a:p>
@@ -1608,7 +1608,7 @@
           <a:p>
             <a:fld id="{D4D183C0-BBDA-4507-B460-BE0BF3E0A830}" type="datetimeFigureOut">
               <a:rPr lang="en-US" smtClean="0"/>
-              <a:t>10/28/2024</a:t>
+              <a:t>12/11/2024</a:t>
             </a:fld>
             <a:endParaRPr lang="en-US"/>
           </a:p>
@@ -1726,7 +1726,7 @@
           <a:p>
             <a:fld id="{D4D183C0-BBDA-4507-B460-BE0BF3E0A830}" type="datetimeFigureOut">
               <a:rPr lang="en-US" smtClean="0"/>
-              <a:t>10/28/2024</a:t>
+              <a:t>12/11/2024</a:t>
             </a:fld>
             <a:endParaRPr lang="en-US"/>
           </a:p>
@@ -1821,7 +1821,7 @@
           <a:p>
             <a:fld id="{D4D183C0-BBDA-4507-B460-BE0BF3E0A830}" type="datetimeFigureOut">
               <a:rPr lang="en-US" smtClean="0"/>
-              <a:t>10/28/2024</a:t>
+              <a:t>12/11/2024</a:t>
             </a:fld>
             <a:endParaRPr lang="en-US"/>
           </a:p>
@@ -2098,7 +2098,7 @@
           <a:p>
             <a:fld id="{D4D183C0-BBDA-4507-B460-BE0BF3E0A830}" type="datetimeFigureOut">
               <a:rPr lang="en-US" smtClean="0"/>
-              <a:t>10/28/2024</a:t>
+              <a:t>12/11/2024</a:t>
             </a:fld>
             <a:endParaRPr lang="en-US"/>
           </a:p>
@@ -2355,7 +2355,7 @@
           <a:p>
             <a:fld id="{D4D183C0-BBDA-4507-B460-BE0BF3E0A830}" type="datetimeFigureOut">
               <a:rPr lang="en-US" smtClean="0"/>
-              <a:t>10/28/2024</a:t>
+              <a:t>12/11/2024</a:t>
             </a:fld>
             <a:endParaRPr lang="en-US"/>
           </a:p>
@@ -2568,7 +2568,7 @@
           <a:p>
             <a:fld id="{D4D183C0-BBDA-4507-B460-BE0BF3E0A830}" type="datetimeFigureOut">
               <a:rPr lang="en-US" smtClean="0"/>
-              <a:t>10/28/2024</a:t>
+              <a:t>12/11/2024</a:t>
             </a:fld>
             <a:endParaRPr lang="en-US"/>
           </a:p>
@@ -3821,7 +3821,7 @@
           <a:p>
             <a:r>
               <a:rPr lang="en-US" sz="1400" i="1" dirty="0"/>
-              <a:t>d</a:t>
+              <a:t>d, e</a:t>
             </a:r>
           </a:p>
         </p:txBody>
@@ -3840,8 +3840,8 @@
         </p:nvSpPr>
         <p:spPr>
           <a:xfrm>
-            <a:off x="1938053" y="2374478"/>
-            <a:ext cx="510639" cy="307777"/>
+            <a:off x="1849784" y="2374479"/>
+            <a:ext cx="555764" cy="307777"/>
           </a:xfrm>
           <a:prstGeom prst="rect">
             <a:avLst/>
@@ -3856,7 +3856,7 @@
           <a:p>
             <a:r>
               <a:rPr lang="en-US" sz="1400" i="1" dirty="0"/>
-              <a:t>d</a:t>
+              <a:t>d, e</a:t>
             </a:r>
           </a:p>
         </p:txBody>
@@ -3875,7 +3875,7 @@
         </p:nvSpPr>
         <p:spPr>
           <a:xfrm>
-            <a:off x="3267596" y="2374479"/>
+            <a:off x="3241565" y="2372104"/>
             <a:ext cx="510639" cy="307777"/>
           </a:xfrm>
           <a:prstGeom prst="rect">
@@ -3891,7 +3891,7 @@
           <a:p>
             <a:r>
               <a:rPr lang="en-US" sz="1400" i="1" dirty="0"/>
-              <a:t>d</a:t>
+              <a:t>d, e</a:t>
             </a:r>
           </a:p>
         </p:txBody>
@@ -4201,7 +4201,7 @@
           <a:p>
             <a:r>
               <a:rPr lang="en-US" sz="1400" i="1" dirty="0"/>
-              <a:t>d</a:t>
+              <a:t>d, e</a:t>
             </a:r>
           </a:p>
         </p:txBody>
